--- a/SUSTENTACIÓN  SEGUNDA PREVIA.pptx
+++ b/SUSTENTACIÓN  SEGUNDA PREVIA.pptx
@@ -5,10 +5,10 @@
     <p:sldMasterId id="2147483648" r:id="rId4"/>
   </p:sldMasterIdLst>
   <p:notesMasterIdLst>
-    <p:notesMasterId r:id="rId16"/>
+    <p:notesMasterId r:id="rId14"/>
   </p:notesMasterIdLst>
   <p:handoutMasterIdLst>
-    <p:handoutMasterId r:id="rId17"/>
+    <p:handoutMasterId r:id="rId15"/>
   </p:handoutMasterIdLst>
   <p:sldIdLst>
     <p:sldId id="256" r:id="rId5"/>
@@ -16,12 +16,10 @@
     <p:sldId id="268" r:id="rId7"/>
     <p:sldId id="271" r:id="rId8"/>
     <p:sldId id="269" r:id="rId9"/>
-    <p:sldId id="275" r:id="rId10"/>
-    <p:sldId id="276" r:id="rId11"/>
-    <p:sldId id="277" r:id="rId12"/>
-    <p:sldId id="270" r:id="rId13"/>
-    <p:sldId id="273" r:id="rId14"/>
-    <p:sldId id="274" r:id="rId15"/>
+    <p:sldId id="276" r:id="rId10"/>
+    <p:sldId id="270" r:id="rId11"/>
+    <p:sldId id="273" r:id="rId12"/>
+    <p:sldId id="274" r:id="rId13"/>
   </p:sldIdLst>
   <p:sldSz cx="12192000" cy="6858000"/>
   <p:notesSz cx="6858000" cy="9144000"/>
@@ -236,7 +234,7 @@
           <a:p>
             <a:fld id="{0F978520-E9AB-4B1A-9B49-E67C72256C29}" type="datetimeFigureOut">
               <a:rPr lang="es-ES" smtClean="0"/>
-              <a:t>27/11/2021</a:t>
+              <a:t>11/12/2021</a:t>
             </a:fld>
             <a:endParaRPr lang="es-ES"/>
           </a:p>
@@ -413,7 +411,7 @@
           <a:p>
             <a:fld id="{9246881C-69AF-4E68-B910-A30DC57EEF83}" type="datetimeFigureOut">
               <a:rPr lang="es-ES" noProof="0" smtClean="0"/>
-              <a:t>27/11/2021</a:t>
+              <a:t>11/12/2021</a:t>
             </a:fld>
             <a:endParaRPr lang="es-ES" noProof="0"/>
           </a:p>
@@ -764,174 +762,6 @@
 </p:notes>
 </file>
 
-<file path=ppt/notesSlides/notesSlide10.xml><?xml version="1.0" encoding="utf-8"?>
-<p:notes xmlns:a="http://schemas.openxmlformats.org/drawingml/2006/main" xmlns:r="http://schemas.openxmlformats.org/officeDocument/2006/relationships" xmlns:p="http://schemas.openxmlformats.org/presentationml/2006/main">
-  <p:cSld>
-    <p:spTree>
-      <p:nvGrpSpPr>
-        <p:cNvPr id="1" name=""/>
-        <p:cNvGrpSpPr/>
-        <p:nvPr/>
-      </p:nvGrpSpPr>
-      <p:grpSpPr>
-        <a:xfrm>
-          <a:off x="0" y="0"/>
-          <a:ext cx="0" cy="0"/>
-          <a:chOff x="0" y="0"/>
-          <a:chExt cx="0" cy="0"/>
-        </a:xfrm>
-      </p:grpSpPr>
-      <p:sp>
-        <p:nvSpPr>
-          <p:cNvPr id="2" name="Marcador de imagen de diapositiva 1"/>
-          <p:cNvSpPr>
-            <a:spLocks noGrp="1" noRot="1" noChangeAspect="1"/>
-          </p:cNvSpPr>
-          <p:nvPr>
-            <p:ph type="sldImg"/>
-          </p:nvPr>
-        </p:nvSpPr>
-        <p:spPr/>
-      </p:sp>
-      <p:sp>
-        <p:nvSpPr>
-          <p:cNvPr id="3" name="Marcador de notas 2"/>
-          <p:cNvSpPr>
-            <a:spLocks noGrp="1"/>
-          </p:cNvSpPr>
-          <p:nvPr>
-            <p:ph type="body" idx="1"/>
-          </p:nvPr>
-        </p:nvSpPr>
-        <p:spPr/>
-        <p:txBody>
-          <a:bodyPr/>
-          <a:lstStyle/>
-          <a:p>
-            <a:endParaRPr lang="es-ES"/>
-          </a:p>
-        </p:txBody>
-      </p:sp>
-      <p:sp>
-        <p:nvSpPr>
-          <p:cNvPr id="4" name="Marcador de número de diapositiva 3"/>
-          <p:cNvSpPr>
-            <a:spLocks noGrp="1"/>
-          </p:cNvSpPr>
-          <p:nvPr>
-            <p:ph type="sldNum" sz="quarter" idx="5"/>
-          </p:nvPr>
-        </p:nvSpPr>
-        <p:spPr/>
-        <p:txBody>
-          <a:bodyPr/>
-          <a:lstStyle/>
-          <a:p>
-            <a:fld id="{B0E2ED02-0BE9-46EA-BA63-E1EED13817D7}" type="slidenum">
-              <a:rPr lang="es-ES" smtClean="0"/>
-              <a:t>10</a:t>
-            </a:fld>
-            <a:endParaRPr lang="es-ES"/>
-          </a:p>
-        </p:txBody>
-      </p:sp>
-    </p:spTree>
-    <p:extLst>
-      <p:ext uri="{BB962C8B-B14F-4D97-AF65-F5344CB8AC3E}">
-        <p14:creationId xmlns:p14="http://schemas.microsoft.com/office/powerpoint/2010/main" val="507666049"/>
-      </p:ext>
-    </p:extLst>
-  </p:cSld>
-  <p:clrMapOvr>
-    <a:masterClrMapping/>
-  </p:clrMapOvr>
-</p:notes>
-</file>
-
-<file path=ppt/notesSlides/notesSlide11.xml><?xml version="1.0" encoding="utf-8"?>
-<p:notes xmlns:a="http://schemas.openxmlformats.org/drawingml/2006/main" xmlns:r="http://schemas.openxmlformats.org/officeDocument/2006/relationships" xmlns:p="http://schemas.openxmlformats.org/presentationml/2006/main">
-  <p:cSld>
-    <p:spTree>
-      <p:nvGrpSpPr>
-        <p:cNvPr id="1" name=""/>
-        <p:cNvGrpSpPr/>
-        <p:nvPr/>
-      </p:nvGrpSpPr>
-      <p:grpSpPr>
-        <a:xfrm>
-          <a:off x="0" y="0"/>
-          <a:ext cx="0" cy="0"/>
-          <a:chOff x="0" y="0"/>
-          <a:chExt cx="0" cy="0"/>
-        </a:xfrm>
-      </p:grpSpPr>
-      <p:sp>
-        <p:nvSpPr>
-          <p:cNvPr id="2" name="Marcador de imagen de diapositiva 1"/>
-          <p:cNvSpPr>
-            <a:spLocks noGrp="1" noRot="1" noChangeAspect="1"/>
-          </p:cNvSpPr>
-          <p:nvPr>
-            <p:ph type="sldImg"/>
-          </p:nvPr>
-        </p:nvSpPr>
-        <p:spPr/>
-      </p:sp>
-      <p:sp>
-        <p:nvSpPr>
-          <p:cNvPr id="3" name="Marcador de notas 2"/>
-          <p:cNvSpPr>
-            <a:spLocks noGrp="1"/>
-          </p:cNvSpPr>
-          <p:nvPr>
-            <p:ph type="body" idx="1"/>
-          </p:nvPr>
-        </p:nvSpPr>
-        <p:spPr/>
-        <p:txBody>
-          <a:bodyPr/>
-          <a:lstStyle/>
-          <a:p>
-            <a:endParaRPr lang="es-ES"/>
-          </a:p>
-        </p:txBody>
-      </p:sp>
-      <p:sp>
-        <p:nvSpPr>
-          <p:cNvPr id="4" name="Marcador de número de diapositiva 3"/>
-          <p:cNvSpPr>
-            <a:spLocks noGrp="1"/>
-          </p:cNvSpPr>
-          <p:nvPr>
-            <p:ph type="sldNum" sz="quarter" idx="5"/>
-          </p:nvPr>
-        </p:nvSpPr>
-        <p:spPr/>
-        <p:txBody>
-          <a:bodyPr/>
-          <a:lstStyle/>
-          <a:p>
-            <a:fld id="{B0E2ED02-0BE9-46EA-BA63-E1EED13817D7}" type="slidenum">
-              <a:rPr lang="es-ES" smtClean="0"/>
-              <a:t>11</a:t>
-            </a:fld>
-            <a:endParaRPr lang="es-ES"/>
-          </a:p>
-        </p:txBody>
-      </p:sp>
-    </p:spTree>
-    <p:extLst>
-      <p:ext uri="{BB962C8B-B14F-4D97-AF65-F5344CB8AC3E}">
-        <p14:creationId xmlns:p14="http://schemas.microsoft.com/office/powerpoint/2010/main" val="3495716070"/>
-      </p:ext>
-    </p:extLst>
-  </p:cSld>
-  <p:clrMapOvr>
-    <a:masterClrMapping/>
-  </p:clrMapOvr>
-</p:notes>
-</file>
-
 <file path=ppt/notesSlides/notesSlide2.xml><?xml version="1.0" encoding="utf-8"?>
 <p:notes xmlns:a="http://schemas.openxmlformats.org/drawingml/2006/main" xmlns:r="http://schemas.openxmlformats.org/officeDocument/2006/relationships" xmlns:p="http://schemas.openxmlformats.org/presentationml/2006/main">
   <p:cSld>
@@ -1342,7 +1172,7 @@
     </p:spTree>
     <p:extLst>
       <p:ext uri="{BB962C8B-B14F-4D97-AF65-F5344CB8AC3E}">
-        <p14:creationId xmlns:p14="http://schemas.microsoft.com/office/powerpoint/2010/main" val="1070718624"/>
+        <p14:creationId xmlns:p14="http://schemas.microsoft.com/office/powerpoint/2010/main" val="3980970314"/>
       </p:ext>
     </p:extLst>
   </p:cSld>
@@ -1426,7 +1256,7 @@
     </p:spTree>
     <p:extLst>
       <p:ext uri="{BB962C8B-B14F-4D97-AF65-F5344CB8AC3E}">
-        <p14:creationId xmlns:p14="http://schemas.microsoft.com/office/powerpoint/2010/main" val="3980970314"/>
+        <p14:creationId xmlns:p14="http://schemas.microsoft.com/office/powerpoint/2010/main" val="2266820776"/>
       </p:ext>
     </p:extLst>
   </p:cSld>
@@ -1510,7 +1340,7 @@
     </p:spTree>
     <p:extLst>
       <p:ext uri="{BB962C8B-B14F-4D97-AF65-F5344CB8AC3E}">
-        <p14:creationId xmlns:p14="http://schemas.microsoft.com/office/powerpoint/2010/main" val="2138536488"/>
+        <p14:creationId xmlns:p14="http://schemas.microsoft.com/office/powerpoint/2010/main" val="507666049"/>
       </p:ext>
     </p:extLst>
   </p:cSld>
@@ -1594,7 +1424,7 @@
     </p:spTree>
     <p:extLst>
       <p:ext uri="{BB962C8B-B14F-4D97-AF65-F5344CB8AC3E}">
-        <p14:creationId xmlns:p14="http://schemas.microsoft.com/office/powerpoint/2010/main" val="2266820776"/>
+        <p14:creationId xmlns:p14="http://schemas.microsoft.com/office/powerpoint/2010/main" val="3495716070"/>
       </p:ext>
     </p:extLst>
   </p:cSld>
@@ -1790,7 +1620,7 @@
             <a:pPr rtl="0"/>
             <a:fld id="{A50E83B3-2DF2-4C51-8E37-F0891FBF120C}" type="datetime1">
               <a:rPr lang="es-ES" noProof="0" smtClean="0"/>
-              <a:t>27/11/2021</a:t>
+              <a:t>11/12/2021</a:t>
             </a:fld>
             <a:endParaRPr lang="es-ES" noProof="0"/>
           </a:p>
@@ -2065,7 +1895,7 @@
             <a:pPr rtl="0"/>
             <a:fld id="{F886DD05-C942-401F-BA9D-1FF2ECF27C7A}" type="datetime1">
               <a:rPr lang="es-ES" noProof="0" smtClean="0"/>
-              <a:t>27/11/2021</a:t>
+              <a:t>11/12/2021</a:t>
             </a:fld>
             <a:endParaRPr lang="es-ES" noProof="0"/>
           </a:p>
@@ -2258,7 +2088,7 @@
             <a:pPr rtl="0"/>
             <a:fld id="{9C9386C7-0916-4725-9AF6-7DDE6FD7513B}" type="datetime1">
               <a:rPr lang="es-ES" noProof="0" smtClean="0"/>
-              <a:t>27/11/2021</a:t>
+              <a:t>11/12/2021</a:t>
             </a:fld>
             <a:endParaRPr lang="es-ES" noProof="0"/>
           </a:p>
@@ -2524,7 +2354,7 @@
             <a:pPr rtl="0"/>
             <a:fld id="{10DD2A35-1D5E-47C8-8B08-48CCCCCDDF4D}" type="datetime1">
               <a:rPr lang="es-ES" noProof="0" smtClean="0"/>
-              <a:t>27/11/2021</a:t>
+              <a:t>11/12/2021</a:t>
             </a:fld>
             <a:endParaRPr lang="es-ES" noProof="0"/>
           </a:p>
@@ -2855,7 +2685,7 @@
             <a:pPr rtl="0"/>
             <a:fld id="{799F04CC-8741-45EA-9BD2-B1BD38506667}" type="datetime1">
               <a:rPr lang="es-ES" noProof="0" smtClean="0"/>
-              <a:t>27/11/2021</a:t>
+              <a:t>11/12/2021</a:t>
             </a:fld>
             <a:endParaRPr lang="es-ES" noProof="0"/>
           </a:p>
@@ -3464,7 +3294,7 @@
             <a:pPr rtl="0"/>
             <a:fld id="{0E3FAF36-9F18-4027-B0AC-A2B1BE25CF1B}" type="datetime1">
               <a:rPr lang="es-ES" noProof="0" smtClean="0"/>
-              <a:t>27/11/2021</a:t>
+              <a:t>11/12/2021</a:t>
             </a:fld>
             <a:endParaRPr lang="es-ES" noProof="0"/>
           </a:p>
@@ -4313,7 +4143,7 @@
             <a:pPr rtl="0"/>
             <a:fld id="{FBD4A86A-2CEE-444A-AE80-15C3ABA49728}" type="datetime1">
               <a:rPr lang="es-ES" noProof="0" smtClean="0"/>
-              <a:t>27/11/2021</a:t>
+              <a:t>11/12/2021</a:t>
             </a:fld>
             <a:endParaRPr lang="es-ES" noProof="0"/>
           </a:p>
@@ -4481,7 +4311,7 @@
             <a:pPr rtl="0"/>
             <a:fld id="{752B2A3C-8431-49B4-B96F-C4B888D3E457}" type="datetime1">
               <a:rPr lang="es-ES" noProof="0" smtClean="0"/>
-              <a:t>27/11/2021</a:t>
+              <a:t>11/12/2021</a:t>
             </a:fld>
             <a:endParaRPr lang="es-ES" noProof="0"/>
           </a:p>
@@ -4659,7 +4489,7 @@
             <a:pPr rtl="0"/>
             <a:fld id="{8A5563F4-9295-4742-9244-84287EB7291F}" type="datetime1">
               <a:rPr lang="es-ES" noProof="0" smtClean="0"/>
-              <a:t>27/11/2021</a:t>
+              <a:t>11/12/2021</a:t>
             </a:fld>
             <a:endParaRPr lang="es-ES" noProof="0"/>
           </a:p>
@@ -4827,7 +4657,7 @@
             <a:pPr rtl="0"/>
             <a:fld id="{B280820C-E135-48C2-83AB-4A8E29380C8D}" type="datetime1">
               <a:rPr lang="es-ES" noProof="0" smtClean="0"/>
-              <a:t>27/11/2021</a:t>
+              <a:t>11/12/2021</a:t>
             </a:fld>
             <a:endParaRPr lang="es-ES" noProof="0"/>
           </a:p>
@@ -5070,7 +4900,7 @@
             <a:pPr rtl="0"/>
             <a:fld id="{20E4E08F-4E28-408F-ADA0-39396887AC06}" type="datetime1">
               <a:rPr lang="es-ES" noProof="0" smtClean="0"/>
-              <a:t>27/11/2021</a:t>
+              <a:t>11/12/2021</a:t>
             </a:fld>
             <a:endParaRPr lang="es-ES" noProof="0"/>
           </a:p>
@@ -5359,7 +5189,7 @@
             <a:pPr rtl="0"/>
             <a:fld id="{3D605A5A-DCAF-481E-BBF5-8C07CB5D8493}" type="datetime1">
               <a:rPr lang="es-ES" noProof="0" smtClean="0"/>
-              <a:t>27/11/2021</a:t>
+              <a:t>11/12/2021</a:t>
             </a:fld>
             <a:endParaRPr lang="es-ES" noProof="0"/>
           </a:p>
@@ -5794,7 +5624,7 @@
             <a:pPr rtl="0"/>
             <a:fld id="{0A5A8288-3577-4402-B328-FD4294D38999}" type="datetime1">
               <a:rPr lang="es-ES" noProof="0" smtClean="0"/>
-              <a:t>27/11/2021</a:t>
+              <a:t>11/12/2021</a:t>
             </a:fld>
             <a:endParaRPr lang="es-ES" noProof="0"/>
           </a:p>
@@ -5911,7 +5741,7 @@
             <a:pPr rtl="0"/>
             <a:fld id="{1BD7DEEB-AC70-4070-BF1B-ABC9B6FC04DF}" type="datetime1">
               <a:rPr lang="es-ES" noProof="0" smtClean="0"/>
-              <a:t>27/11/2021</a:t>
+              <a:t>11/12/2021</a:t>
             </a:fld>
             <a:endParaRPr lang="es-ES" noProof="0"/>
           </a:p>
@@ -6004,7 +5834,7 @@
             <a:pPr rtl="0"/>
             <a:fld id="{4015D6D5-B3C0-46E2-BD0D-E0FD25BADF10}" type="datetime1">
               <a:rPr lang="es-ES" noProof="0" smtClean="0"/>
-              <a:t>27/11/2021</a:t>
+              <a:t>11/12/2021</a:t>
             </a:fld>
             <a:endParaRPr lang="es-ES" noProof="0"/>
           </a:p>
@@ -6281,7 +6111,7 @@
             <a:pPr rtl="0"/>
             <a:fld id="{FB81006A-89A7-4F62-93D0-38C1C96445DC}" type="datetime1">
               <a:rPr lang="es-ES" noProof="0" smtClean="0"/>
-              <a:t>27/11/2021</a:t>
+              <a:t>11/12/2021</a:t>
             </a:fld>
             <a:endParaRPr lang="es-ES" noProof="0"/>
           </a:p>
@@ -6556,7 +6386,7 @@
             <a:pPr rtl="0"/>
             <a:fld id="{C1F0BA48-95C2-4B97-AC2A-FFEF570A9561}" type="datetime1">
               <a:rPr lang="es-ES" noProof="0" smtClean="0"/>
-              <a:t>27/11/2021</a:t>
+              <a:t>11/12/2021</a:t>
             </a:fld>
             <a:endParaRPr lang="es-ES" noProof="0"/>
           </a:p>
@@ -6982,7 +6812,7 @@
             <a:pPr rtl="0"/>
             <a:fld id="{39B356B7-B422-45F8-B0DC-60582FE5A1F5}" type="datetime1">
               <a:rPr lang="es-ES" noProof="0" smtClean="0"/>
-              <a:t>27/11/2021</a:t>
+              <a:t>11/12/2021</a:t>
             </a:fld>
             <a:endParaRPr lang="es-ES" noProof="0"/>
           </a:p>
@@ -7675,7 +7505,7 @@
                 <a16:creationId xmlns:a16="http://schemas.microsoft.com/office/drawing/2014/main" id="{318E9D62-7BA3-4D5E-8915-0D0E8661E3D7}"/>
               </a:ext>
               <a:ext uri="{C183D7F6-B498-43B3-948B-1728B52AA6E4}">
-                <adec:decorative xmlns:adec="http://schemas.microsoft.com/office/drawing/2017/decorative" xmlns="" val="1"/>
+                <adec:decorative xmlns="" xmlns:adec="http://schemas.microsoft.com/office/drawing/2017/decorative" val="1"/>
               </a:ext>
             </a:extLst>
           </p:cNvPr>
@@ -7724,194 +7554,6 @@
     <p:extLst>
       <p:ext uri="{BB962C8B-B14F-4D97-AF65-F5344CB8AC3E}">
         <p14:creationId xmlns:p14="http://schemas.microsoft.com/office/powerpoint/2010/main" val="193000927"/>
-      </p:ext>
-    </p:extLst>
-  </p:cSld>
-  <p:clrMapOvr>
-    <a:masterClrMapping/>
-  </p:clrMapOvr>
-</p:sld>
-</file>
-
-<file path=ppt/slides/slide10.xml><?xml version="1.0" encoding="utf-8"?>
-<p:sld xmlns:a="http://schemas.openxmlformats.org/drawingml/2006/main" xmlns:r="http://schemas.openxmlformats.org/officeDocument/2006/relationships" xmlns:p="http://schemas.openxmlformats.org/presentationml/2006/main">
-  <p:cSld>
-    <p:spTree>
-      <p:nvGrpSpPr>
-        <p:cNvPr id="1" name=""/>
-        <p:cNvGrpSpPr/>
-        <p:nvPr/>
-      </p:nvGrpSpPr>
-      <p:grpSpPr>
-        <a:xfrm>
-          <a:off x="0" y="0"/>
-          <a:ext cx="0" cy="0"/>
-          <a:chOff x="0" y="0"/>
-          <a:chExt cx="0" cy="0"/>
-        </a:xfrm>
-      </p:grpSpPr>
-      <p:sp>
-        <p:nvSpPr>
-          <p:cNvPr id="2" name="Título 1">
-            <a:extLst>
-              <a:ext uri="{FF2B5EF4-FFF2-40B4-BE49-F238E27FC236}">
-                <a16:creationId xmlns:a16="http://schemas.microsoft.com/office/drawing/2014/main" id="{CB3DC570-72AC-45BE-BB60-458EBBAC8C19}"/>
-              </a:ext>
-            </a:extLst>
-          </p:cNvPr>
-          <p:cNvSpPr>
-            <a:spLocks noGrp="1"/>
-          </p:cNvSpPr>
-          <p:nvPr>
-            <p:ph type="title"/>
-          </p:nvPr>
-        </p:nvSpPr>
-        <p:spPr>
-          <a:xfrm>
-            <a:off x="1103312" y="652388"/>
-            <a:ext cx="9404723" cy="1400530"/>
-          </a:xfrm>
-        </p:spPr>
-        <p:txBody>
-          <a:bodyPr rtlCol="0"/>
-          <a:lstStyle/>
-          <a:p>
-            <a:pPr algn="ctr" rtl="0"/>
-            <a:r>
-              <a:rPr lang="es-ES" sz="4400" dirty="0" smtClean="0"/>
-              <a:t>CLASE OCTAL</a:t>
-            </a:r>
-            <a:endParaRPr lang="es-ES" sz="4400" dirty="0"/>
-          </a:p>
-        </p:txBody>
-      </p:sp>
-      <p:pic>
-        <p:nvPicPr>
-          <p:cNvPr id="5" name="Marcador de contenido 4"/>
-          <p:cNvPicPr>
-            <a:picLocks noGrp="1" noChangeAspect="1"/>
-          </p:cNvPicPr>
-          <p:nvPr>
-            <p:ph idx="1"/>
-          </p:nvPr>
-        </p:nvPicPr>
-        <p:blipFill>
-          <a:blip r:embed="rId3">
-            <a:extLst>
-              <a:ext uri="{28A0092B-C50C-407E-A947-70E740481C1C}">
-                <a14:useLocalDpi xmlns:a14="http://schemas.microsoft.com/office/drawing/2010/main" val="0"/>
-              </a:ext>
-            </a:extLst>
-          </a:blip>
-          <a:stretch>
-            <a:fillRect/>
-          </a:stretch>
-        </p:blipFill>
-        <p:spPr>
-          <a:xfrm>
-            <a:off x="114300" y="1488725"/>
-            <a:ext cx="11912600" cy="5204175"/>
-          </a:xfrm>
-        </p:spPr>
-      </p:pic>
-    </p:spTree>
-    <p:extLst>
-      <p:ext uri="{BB962C8B-B14F-4D97-AF65-F5344CB8AC3E}">
-        <p14:creationId xmlns:p14="http://schemas.microsoft.com/office/powerpoint/2010/main" val="1774550317"/>
-      </p:ext>
-    </p:extLst>
-  </p:cSld>
-  <p:clrMapOvr>
-    <a:masterClrMapping/>
-  </p:clrMapOvr>
-</p:sld>
-</file>
-
-<file path=ppt/slides/slide11.xml><?xml version="1.0" encoding="utf-8"?>
-<p:sld xmlns:a="http://schemas.openxmlformats.org/drawingml/2006/main" xmlns:r="http://schemas.openxmlformats.org/officeDocument/2006/relationships" xmlns:p="http://schemas.openxmlformats.org/presentationml/2006/main">
-  <p:cSld>
-    <p:spTree>
-      <p:nvGrpSpPr>
-        <p:cNvPr id="1" name=""/>
-        <p:cNvGrpSpPr/>
-        <p:nvPr/>
-      </p:nvGrpSpPr>
-      <p:grpSpPr>
-        <a:xfrm>
-          <a:off x="0" y="0"/>
-          <a:ext cx="0" cy="0"/>
-          <a:chOff x="0" y="0"/>
-          <a:chExt cx="0" cy="0"/>
-        </a:xfrm>
-      </p:grpSpPr>
-      <p:sp>
-        <p:nvSpPr>
-          <p:cNvPr id="2" name="Título 1">
-            <a:extLst>
-              <a:ext uri="{FF2B5EF4-FFF2-40B4-BE49-F238E27FC236}">
-                <a16:creationId xmlns:a16="http://schemas.microsoft.com/office/drawing/2014/main" id="{CB3DC570-72AC-45BE-BB60-458EBBAC8C19}"/>
-              </a:ext>
-            </a:extLst>
-          </p:cNvPr>
-          <p:cNvSpPr>
-            <a:spLocks noGrp="1"/>
-          </p:cNvSpPr>
-          <p:nvPr>
-            <p:ph type="title"/>
-          </p:nvPr>
-        </p:nvSpPr>
-        <p:spPr>
-          <a:xfrm>
-            <a:off x="1103312" y="652388"/>
-            <a:ext cx="9404723" cy="1400530"/>
-          </a:xfrm>
-        </p:spPr>
-        <p:txBody>
-          <a:bodyPr rtlCol="0"/>
-          <a:lstStyle/>
-          <a:p>
-            <a:pPr algn="ctr" rtl="0"/>
-            <a:r>
-              <a:rPr lang="es-ES" sz="4400" dirty="0" smtClean="0"/>
-              <a:t>CLASE OCTAL</a:t>
-            </a:r>
-            <a:endParaRPr lang="es-ES" sz="4400" dirty="0"/>
-          </a:p>
-        </p:txBody>
-      </p:sp>
-      <p:pic>
-        <p:nvPicPr>
-          <p:cNvPr id="4" name="Marcador de contenido 3"/>
-          <p:cNvPicPr>
-            <a:picLocks noGrp="1" noChangeAspect="1"/>
-          </p:cNvPicPr>
-          <p:nvPr>
-            <p:ph idx="1"/>
-          </p:nvPr>
-        </p:nvPicPr>
-        <p:blipFill>
-          <a:blip r:embed="rId3">
-            <a:extLst>
-              <a:ext uri="{28A0092B-C50C-407E-A947-70E740481C1C}">
-                <a14:useLocalDpi xmlns:a14="http://schemas.microsoft.com/office/drawing/2010/main" val="0"/>
-              </a:ext>
-            </a:extLst>
-          </a:blip>
-          <a:stretch>
-            <a:fillRect/>
-          </a:stretch>
-        </p:blipFill>
-        <p:spPr>
-          <a:xfrm>
-            <a:off x="215900" y="1798490"/>
-            <a:ext cx="11696700" cy="4280841"/>
-          </a:xfrm>
-        </p:spPr>
-      </p:pic>
-    </p:spTree>
-    <p:extLst>
-      <p:ext uri="{BB962C8B-B14F-4D97-AF65-F5344CB8AC3E}">
-        <p14:creationId xmlns:p14="http://schemas.microsoft.com/office/powerpoint/2010/main" val="250072287"/>
       </p:ext>
     </p:extLst>
   </p:cSld>
@@ -8065,7 +7707,7 @@
                 <a16:creationId xmlns:a16="http://schemas.microsoft.com/office/drawing/2014/main" id="{AA085689-791F-4B8F-9F30-12415B97D366}"/>
               </a:ext>
               <a:ext uri="{C183D7F6-B498-43B3-948B-1728B52AA6E4}">
-                <adec:decorative xmlns:adec="http://schemas.microsoft.com/office/drawing/2017/decorative" xmlns="" val="1"/>
+                <adec:decorative xmlns="" xmlns:adec="http://schemas.microsoft.com/office/drawing/2017/decorative" val="1"/>
               </a:ext>
             </a:extLst>
           </p:cNvPr>
@@ -8109,7 +7751,7 @@
                 <a16:creationId xmlns:a16="http://schemas.microsoft.com/office/drawing/2014/main" id="{AA3FED7F-6821-47C0-A464-E9278B24129E}"/>
               </a:ext>
               <a:ext uri="{C183D7F6-B498-43B3-948B-1728B52AA6E4}">
-                <adec:decorative xmlns:adec="http://schemas.microsoft.com/office/drawing/2017/decorative" xmlns="" val="1"/>
+                <adec:decorative xmlns="" xmlns:adec="http://schemas.microsoft.com/office/drawing/2017/decorative" val="1"/>
               </a:ext>
             </a:extLst>
           </p:cNvPr>
@@ -8153,7 +7795,7 @@
                 <a16:creationId xmlns:a16="http://schemas.microsoft.com/office/drawing/2014/main" id="{8F54B2FB-3F54-4350-8D1B-F86D677CA7ED}"/>
               </a:ext>
               <a:ext uri="{C183D7F6-B498-43B3-948B-1728B52AA6E4}">
-                <adec:decorative xmlns:adec="http://schemas.microsoft.com/office/drawing/2017/decorative" xmlns="" val="1"/>
+                <adec:decorative xmlns="" xmlns:adec="http://schemas.microsoft.com/office/drawing/2017/decorative" val="1"/>
               </a:ext>
             </a:extLst>
           </p:cNvPr>
@@ -8233,7 +7875,7 @@
                 <a16:creationId xmlns:a16="http://schemas.microsoft.com/office/drawing/2014/main" id="{561B34F5-88E5-4711-BC16-3005C29AD7C6}"/>
               </a:ext>
               <a:ext uri="{C183D7F6-B498-43B3-948B-1728B52AA6E4}">
-                <adec:decorative xmlns:adec="http://schemas.microsoft.com/office/drawing/2017/decorative" xmlns="" val="1"/>
+                <adec:decorative xmlns="" xmlns:adec="http://schemas.microsoft.com/office/drawing/2017/decorative" val="1"/>
               </a:ext>
             </a:extLst>
           </p:cNvPr>
@@ -8277,7 +7919,7 @@
                 <a16:creationId xmlns:a16="http://schemas.microsoft.com/office/drawing/2014/main" id="{4F3661D0-2268-4D3E-88BA-0647BCBE33AF}"/>
               </a:ext>
               <a:ext uri="{C183D7F6-B498-43B3-948B-1728B52AA6E4}">
-                <adec:decorative xmlns:adec="http://schemas.microsoft.com/office/drawing/2017/decorative" xmlns="" val="1"/>
+                <adec:decorative xmlns="" xmlns:adec="http://schemas.microsoft.com/office/drawing/2017/decorative" val="1"/>
               </a:ext>
             </a:extLst>
           </p:cNvPr>
@@ -8321,7 +7963,7 @@
                 <a16:creationId xmlns:a16="http://schemas.microsoft.com/office/drawing/2014/main" id="{DDB56DB5-0324-4F79-9AB8-CB18C1DC8743}"/>
               </a:ext>
               <a:ext uri="{C183D7F6-B498-43B3-948B-1728B52AA6E4}">
-                <adec:decorative xmlns:adec="http://schemas.microsoft.com/office/drawing/2017/decorative" xmlns="" val="1"/>
+                <adec:decorative xmlns="" xmlns:adec="http://schemas.microsoft.com/office/drawing/2017/decorative" val="1"/>
               </a:ext>
             </a:extLst>
           </p:cNvPr>
@@ -8459,7 +8101,7 @@
                 <a16:creationId xmlns:a16="http://schemas.microsoft.com/office/drawing/2014/main" id="{AA085689-791F-4B8F-9F30-12415B97D366}"/>
               </a:ext>
               <a:ext uri="{C183D7F6-B498-43B3-948B-1728B52AA6E4}">
-                <adec:decorative xmlns:adec="http://schemas.microsoft.com/office/drawing/2017/decorative" xmlns="" val="1"/>
+                <adec:decorative xmlns="" xmlns:adec="http://schemas.microsoft.com/office/drawing/2017/decorative" val="1"/>
               </a:ext>
             </a:extLst>
           </p:cNvPr>
@@ -8503,7 +8145,7 @@
                 <a16:creationId xmlns:a16="http://schemas.microsoft.com/office/drawing/2014/main" id="{AA3FED7F-6821-47C0-A464-E9278B24129E}"/>
               </a:ext>
               <a:ext uri="{C183D7F6-B498-43B3-948B-1728B52AA6E4}">
-                <adec:decorative xmlns:adec="http://schemas.microsoft.com/office/drawing/2017/decorative" xmlns="" val="1"/>
+                <adec:decorative xmlns="" xmlns:adec="http://schemas.microsoft.com/office/drawing/2017/decorative" val="1"/>
               </a:ext>
             </a:extLst>
           </p:cNvPr>
@@ -8547,7 +8189,7 @@
                 <a16:creationId xmlns:a16="http://schemas.microsoft.com/office/drawing/2014/main" id="{8F54B2FB-3F54-4350-8D1B-F86D677CA7ED}"/>
               </a:ext>
               <a:ext uri="{C183D7F6-B498-43B3-948B-1728B52AA6E4}">
-                <adec:decorative xmlns:adec="http://schemas.microsoft.com/office/drawing/2017/decorative" xmlns="" val="1"/>
+                <adec:decorative xmlns="" xmlns:adec="http://schemas.microsoft.com/office/drawing/2017/decorative" val="1"/>
               </a:ext>
             </a:extLst>
           </p:cNvPr>
@@ -8627,7 +8269,7 @@
                 <a16:creationId xmlns:a16="http://schemas.microsoft.com/office/drawing/2014/main" id="{561B34F5-88E5-4711-BC16-3005C29AD7C6}"/>
               </a:ext>
               <a:ext uri="{C183D7F6-B498-43B3-948B-1728B52AA6E4}">
-                <adec:decorative xmlns:adec="http://schemas.microsoft.com/office/drawing/2017/decorative" xmlns="" val="1"/>
+                <adec:decorative xmlns="" xmlns:adec="http://schemas.microsoft.com/office/drawing/2017/decorative" val="1"/>
               </a:ext>
             </a:extLst>
           </p:cNvPr>
@@ -8671,7 +8313,7 @@
                 <a16:creationId xmlns:a16="http://schemas.microsoft.com/office/drawing/2014/main" id="{4F3661D0-2268-4D3E-88BA-0647BCBE33AF}"/>
               </a:ext>
               <a:ext uri="{C183D7F6-B498-43B3-948B-1728B52AA6E4}">
-                <adec:decorative xmlns:adec="http://schemas.microsoft.com/office/drawing/2017/decorative" xmlns="" val="1"/>
+                <adec:decorative xmlns="" xmlns:adec="http://schemas.microsoft.com/office/drawing/2017/decorative" val="1"/>
               </a:ext>
             </a:extLst>
           </p:cNvPr>
@@ -8715,7 +8357,7 @@
                 <a16:creationId xmlns:a16="http://schemas.microsoft.com/office/drawing/2014/main" id="{DDB56DB5-0324-4F79-9AB8-CB18C1DC8743}"/>
               </a:ext>
               <a:ext uri="{C183D7F6-B498-43B3-948B-1728B52AA6E4}">
-                <adec:decorative xmlns:adec="http://schemas.microsoft.com/office/drawing/2017/decorative" xmlns="" val="1"/>
+                <adec:decorative xmlns="" xmlns:adec="http://schemas.microsoft.com/office/drawing/2017/decorative" val="1"/>
               </a:ext>
             </a:extLst>
           </p:cNvPr>
@@ -8848,10 +8490,6 @@
               </a:rPr>
               <a:t>Resolver un problema mediante recursión significa que la solución depende de las soluciones de pequeñas instancias del mismo problema</a:t>
             </a:r>
-            <a:endParaRPr lang="es-ES" sz="2000" dirty="0">
-              <a:latin typeface="Arial" panose="020B0604020202020204" pitchFamily="34" charset="0"/>
-              <a:cs typeface="Arial" panose="020B0604020202020204" pitchFamily="34" charset="0"/>
-            </a:endParaRPr>
           </a:p>
         </p:txBody>
       </p:sp>
@@ -8966,7 +8604,7 @@
       </p:sp>
       <p:pic>
         <p:nvPicPr>
-          <p:cNvPr id="5" name="Marcador de contenido 4"/>
+          <p:cNvPr id="4" name="Marcador de contenido 3"/>
           <p:cNvPicPr>
             <a:picLocks noGrp="1" noChangeAspect="1"/>
           </p:cNvPicPr>
@@ -8988,8 +8626,8 @@
         </p:blipFill>
         <p:spPr>
           <a:xfrm>
-            <a:off x="634999" y="1512582"/>
-            <a:ext cx="6975393" cy="5154918"/>
+            <a:off x="735012" y="1352653"/>
+            <a:ext cx="5995302" cy="5299933"/>
           </a:xfrm>
         </p:spPr>
       </p:pic>
@@ -9041,8 +8679,8 @@
         </p:nvSpPr>
         <p:spPr>
           <a:xfrm>
-            <a:off x="685800" y="487288"/>
-            <a:ext cx="9404723" cy="700265"/>
+            <a:off x="1103312" y="652388"/>
+            <a:ext cx="9404723" cy="770012"/>
           </a:xfrm>
         </p:spPr>
         <p:txBody>
@@ -9067,7 +8705,7 @@
       </p:sp>
       <p:pic>
         <p:nvPicPr>
-          <p:cNvPr id="6" name="Marcador de contenido 5"/>
+          <p:cNvPr id="5" name="Marcador de contenido 4"/>
           <p:cNvPicPr>
             <a:picLocks noGrp="1" noChangeAspect="1"/>
           </p:cNvPicPr>
@@ -9089,15 +8727,15 @@
         </p:blipFill>
         <p:spPr>
           <a:xfrm>
-            <a:off x="685800" y="1352653"/>
-            <a:ext cx="6761312" cy="5237152"/>
+            <a:off x="1103312" y="1422400"/>
+            <a:ext cx="6542088" cy="5130800"/>
           </a:xfrm>
         </p:spPr>
       </p:pic>
     </p:spTree>
     <p:extLst>
       <p:ext uri="{BB962C8B-B14F-4D97-AF65-F5344CB8AC3E}">
-        <p14:creationId xmlns:p14="http://schemas.microsoft.com/office/powerpoint/2010/main" val="2211588666"/>
+        <p14:creationId xmlns:p14="http://schemas.microsoft.com/office/powerpoint/2010/main" val="527152404"/>
       </p:ext>
     </p:extLst>
   </p:cSld>
@@ -9143,7 +8781,7 @@
         <p:spPr>
           <a:xfrm>
             <a:off x="1103312" y="652388"/>
-            <a:ext cx="9404723" cy="770012"/>
+            <a:ext cx="9404723" cy="1400530"/>
           </a:xfrm>
         </p:spPr>
         <p:txBody>
@@ -9152,15 +8790,8 @@
           <a:p>
             <a:pPr algn="ctr" rtl="0"/>
             <a:r>
-              <a:rPr lang="es-ES" sz="4400" dirty="0" smtClean="0">
-                <a:latin typeface="Arial" panose="020B0604020202020204" pitchFamily="34" charset="0"/>
-                <a:cs typeface="Arial" panose="020B0604020202020204" pitchFamily="34" charset="0"/>
-              </a:rPr>
-              <a:t>RECURSIVIDAD</a:t>
-            </a:r>
-            <a:r>
               <a:rPr lang="es-ES" sz="4400" dirty="0" smtClean="0"/>
-              <a:t> </a:t>
+              <a:t>CLASE OCTAL</a:t>
             </a:r>
             <a:endParaRPr lang="es-ES" sz="4400" dirty="0"/>
           </a:p>
@@ -9190,15 +8821,15 @@
         </p:blipFill>
         <p:spPr>
           <a:xfrm>
-            <a:off x="863784" y="1422400"/>
-            <a:ext cx="6730815" cy="5145487"/>
+            <a:off x="227012" y="1479652"/>
+            <a:ext cx="11571288" cy="5264047"/>
           </a:xfrm>
         </p:spPr>
       </p:pic>
     </p:spTree>
     <p:extLst>
       <p:ext uri="{BB962C8B-B14F-4D97-AF65-F5344CB8AC3E}">
-        <p14:creationId xmlns:p14="http://schemas.microsoft.com/office/powerpoint/2010/main" val="527152404"/>
+        <p14:creationId xmlns:p14="http://schemas.microsoft.com/office/powerpoint/2010/main" val="2440210355"/>
       </p:ext>
     </p:extLst>
   </p:cSld>
@@ -9244,7 +8875,7 @@
         <p:spPr>
           <a:xfrm>
             <a:off x="1103312" y="652388"/>
-            <a:ext cx="9404723" cy="770012"/>
+            <a:ext cx="9404723" cy="1400530"/>
           </a:xfrm>
         </p:spPr>
         <p:txBody>
@@ -9253,15 +8884,8 @@
           <a:p>
             <a:pPr algn="ctr" rtl="0"/>
             <a:r>
-              <a:rPr lang="es-ES" sz="4400" dirty="0" smtClean="0">
-                <a:latin typeface="Arial" panose="020B0604020202020204" pitchFamily="34" charset="0"/>
-                <a:cs typeface="Arial" panose="020B0604020202020204" pitchFamily="34" charset="0"/>
-              </a:rPr>
-              <a:t>RECURSIVIDAD</a:t>
-            </a:r>
-            <a:r>
               <a:rPr lang="es-ES" sz="4400" dirty="0" smtClean="0"/>
-              <a:t> </a:t>
+              <a:t>CLASE OCTAL</a:t>
             </a:r>
             <a:endParaRPr lang="es-ES" sz="4400" dirty="0"/>
           </a:p>
@@ -9291,15 +8915,15 @@
         </p:blipFill>
         <p:spPr>
           <a:xfrm>
-            <a:off x="1790701" y="1422400"/>
-            <a:ext cx="5554296" cy="5266296"/>
+            <a:off x="114300" y="1488725"/>
+            <a:ext cx="11912600" cy="5204175"/>
           </a:xfrm>
         </p:spPr>
       </p:pic>
     </p:spTree>
     <p:extLst>
       <p:ext uri="{BB962C8B-B14F-4D97-AF65-F5344CB8AC3E}">
-        <p14:creationId xmlns:p14="http://schemas.microsoft.com/office/powerpoint/2010/main" val="737636703"/>
+        <p14:creationId xmlns:p14="http://schemas.microsoft.com/office/powerpoint/2010/main" val="1774550317"/>
       </p:ext>
     </p:extLst>
   </p:cSld>
@@ -9385,15 +9009,15 @@
         </p:blipFill>
         <p:spPr>
           <a:xfrm>
-            <a:off x="227012" y="1479652"/>
-            <a:ext cx="11571288" cy="5264047"/>
+            <a:off x="215900" y="1798490"/>
+            <a:ext cx="11696700" cy="4280841"/>
           </a:xfrm>
         </p:spPr>
       </p:pic>
     </p:spTree>
     <p:extLst>
       <p:ext uri="{BB962C8B-B14F-4D97-AF65-F5344CB8AC3E}">
-        <p14:creationId xmlns:p14="http://schemas.microsoft.com/office/powerpoint/2010/main" val="2440210355"/>
+        <p14:creationId xmlns:p14="http://schemas.microsoft.com/office/powerpoint/2010/main" val="250072287"/>
       </p:ext>
     </p:extLst>
   </p:cSld>
@@ -10267,6 +9891,15 @@
 </file>
 
 <file path=customXml/item2.xml><?xml version="1.0" encoding="utf-8"?>
+<?mso-contentType ?>
+<FormTemplates xmlns="http://schemas.microsoft.com/sharepoint/v3/contenttype/forms">
+  <Display>DocumentLibraryForm</Display>
+  <Edit>DocumentLibraryForm</Edit>
+  <New>DocumentLibraryForm</New>
+</FormTemplates>
+</file>
+
+<file path=customXml/item3.xml><?xml version="1.0" encoding="utf-8"?>
 <ct:contentTypeSchema xmlns:ct="http://schemas.microsoft.com/office/2006/metadata/contentType" xmlns:ma="http://schemas.microsoft.com/office/2006/metadata/properties/metaAttributes" ct:_="" ma:_="" ma:contentTypeName="Document" ma:contentTypeID="0x01010079F111ED35F8CC479449609E8A0923A6" ma:contentTypeVersion="11" ma:contentTypeDescription="Create a new document." ma:contentTypeScope="" ma:versionID="1c2eb7a32e66fb6e4260f3771546a5e2">
   <xsd:schema xmlns:xsd="http://www.w3.org/2001/XMLSchema" xmlns:xs="http://www.w3.org/2001/XMLSchema" xmlns:p="http://schemas.microsoft.com/office/2006/metadata/properties" xmlns:ns2="71af3243-3dd4-4a8d-8c0d-dd76da1f02a5" xmlns:ns3="16c05727-aa75-4e4a-9b5f-8a80a1165891" targetNamespace="http://schemas.microsoft.com/office/2006/metadata/properties" ma:root="true" ma:fieldsID="04e1f6479c48b08974ba73b5ca973489" ns2:_="" ns3:_="">
     <xsd:import namespace="71af3243-3dd4-4a8d-8c0d-dd76da1f02a5"/>
@@ -10477,33 +10110,32 @@
 </ct:contentTypeSchema>
 </file>
 
-<file path=customXml/item3.xml><?xml version="1.0" encoding="utf-8"?>
-<?mso-contentType ?>
-<FormTemplates xmlns="http://schemas.microsoft.com/sharepoint/v3/contenttype/forms">
-  <Display>DocumentLibraryForm</Display>
-  <Edit>DocumentLibraryForm</Edit>
-  <New>DocumentLibraryForm</New>
-</FormTemplates>
-</file>
-
 <file path=customXml/itemProps1.xml><?xml version="1.0" encoding="utf-8"?>
 <ds:datastoreItem xmlns:ds="http://schemas.openxmlformats.org/officeDocument/2006/customXml" ds:itemID="{5ACC4F44-154A-4E67-B129-1B5389E9F993}">
   <ds:schemaRefs>
     <ds:schemaRef ds:uri="http://purl.org/dc/terms/"/>
+    <ds:schemaRef ds:uri="http://schemas.microsoft.com/office/infopath/2007/PartnerControls"/>
+    <ds:schemaRef ds:uri="http://purl.org/dc/dcmitype/"/>
+    <ds:schemaRef ds:uri="http://schemas.microsoft.com/office/2006/documentManagement/types"/>
+    <ds:schemaRef ds:uri="http://schemas.microsoft.com/office/2006/metadata/properties"/>
     <ds:schemaRef ds:uri="http://schemas.openxmlformats.org/package/2006/metadata/core-properties"/>
     <ds:schemaRef ds:uri="16c05727-aa75-4e4a-9b5f-8a80a1165891"/>
-    <ds:schemaRef ds:uri="http://purl.org/dc/dcmitype/"/>
-    <ds:schemaRef ds:uri="http://schemas.microsoft.com/office/infopath/2007/PartnerControls"/>
-    <ds:schemaRef ds:uri="http://schemas.microsoft.com/office/2006/documentManagement/types"/>
-    <ds:schemaRef ds:uri="http://purl.org/dc/elements/1.1/"/>
-    <ds:schemaRef ds:uri="http://schemas.microsoft.com/office/2006/metadata/properties"/>
     <ds:schemaRef ds:uri="71af3243-3dd4-4a8d-8c0d-dd76da1f02a5"/>
     <ds:schemaRef ds:uri="http://www.w3.org/XML/1998/namespace"/>
+    <ds:schemaRef ds:uri="http://purl.org/dc/elements/1.1/"/>
   </ds:schemaRefs>
 </ds:datastoreItem>
 </file>
 
 <file path=customXml/itemProps2.xml><?xml version="1.0" encoding="utf-8"?>
+<ds:datastoreItem xmlns:ds="http://schemas.openxmlformats.org/officeDocument/2006/customXml" ds:itemID="{E6953E32-00D6-4FFB-AD6B-B2091BB3289C}">
+  <ds:schemaRefs>
+    <ds:schemaRef ds:uri="http://schemas.microsoft.com/sharepoint/v3/contenttype/forms"/>
+  </ds:schemaRefs>
+</ds:datastoreItem>
+</file>
+
+<file path=customXml/itemProps3.xml><?xml version="1.0" encoding="utf-8"?>
 <ds:datastoreItem xmlns:ds="http://schemas.openxmlformats.org/officeDocument/2006/customXml" ds:itemID="{AB5FFD32-E0A8-4E83-80B3-20612105D9EB}">
   <ds:schemaRefs>
     <ds:schemaRef ds:uri="http://schemas.microsoft.com/office/2006/metadata/contentType"/>
@@ -10520,12 +10152,4 @@
     <ds:schemaRef ds:uri="http://schemas.microsoft.com/internal/obd"/>
   </ds:schemaRefs>
 </ds:datastoreItem>
-</file>
-
-<file path=customXml/itemProps3.xml><?xml version="1.0" encoding="utf-8"?>
-<ds:datastoreItem xmlns:ds="http://schemas.openxmlformats.org/officeDocument/2006/customXml" ds:itemID="{E6953E32-00D6-4FFB-AD6B-B2091BB3289C}">
-  <ds:schemaRefs>
-    <ds:schemaRef ds:uri="http://schemas.microsoft.com/sharepoint/v3/contenttype/forms"/>
-  </ds:schemaRefs>
-</ds:datastoreItem>
 </file>